--- a/論文導讀/2_Transformer/Attention is all you need.pptx
+++ b/論文導讀/2_Transformer/Attention is all you need.pptx
@@ -271,7 +271,7 @@
           <a:p>
             <a:fld id="{FA99FD5E-D554-4401-B340-088042D58529}" type="datetimeFigureOut">
               <a:rPr lang="zh-TW" altLang="en-US" smtClean="0"/>
-              <a:t>2022/9/24</a:t>
+              <a:t>2022/9/27</a:t>
             </a:fld>
             <a:endParaRPr lang="zh-TW" altLang="en-US"/>
           </a:p>
@@ -441,7 +441,7 @@
           <a:p>
             <a:fld id="{FA99FD5E-D554-4401-B340-088042D58529}" type="datetimeFigureOut">
               <a:rPr lang="zh-TW" altLang="en-US" smtClean="0"/>
-              <a:t>2022/9/24</a:t>
+              <a:t>2022/9/27</a:t>
             </a:fld>
             <a:endParaRPr lang="zh-TW" altLang="en-US"/>
           </a:p>
@@ -621,7 +621,7 @@
           <a:p>
             <a:fld id="{FA99FD5E-D554-4401-B340-088042D58529}" type="datetimeFigureOut">
               <a:rPr lang="zh-TW" altLang="en-US" smtClean="0"/>
-              <a:t>2022/9/24</a:t>
+              <a:t>2022/9/27</a:t>
             </a:fld>
             <a:endParaRPr lang="zh-TW" altLang="en-US"/>
           </a:p>
@@ -791,7 +791,7 @@
           <a:p>
             <a:fld id="{FA99FD5E-D554-4401-B340-088042D58529}" type="datetimeFigureOut">
               <a:rPr lang="zh-TW" altLang="en-US" smtClean="0"/>
-              <a:t>2022/9/24</a:t>
+              <a:t>2022/9/27</a:t>
             </a:fld>
             <a:endParaRPr lang="zh-TW" altLang="en-US"/>
           </a:p>
@@ -1037,7 +1037,7 @@
           <a:p>
             <a:fld id="{FA99FD5E-D554-4401-B340-088042D58529}" type="datetimeFigureOut">
               <a:rPr lang="zh-TW" altLang="en-US" smtClean="0"/>
-              <a:t>2022/9/24</a:t>
+              <a:t>2022/9/27</a:t>
             </a:fld>
             <a:endParaRPr lang="zh-TW" altLang="en-US"/>
           </a:p>
@@ -1269,7 +1269,7 @@
           <a:p>
             <a:fld id="{FA99FD5E-D554-4401-B340-088042D58529}" type="datetimeFigureOut">
               <a:rPr lang="zh-TW" altLang="en-US" smtClean="0"/>
-              <a:t>2022/9/24</a:t>
+              <a:t>2022/9/27</a:t>
             </a:fld>
             <a:endParaRPr lang="zh-TW" altLang="en-US"/>
           </a:p>
@@ -1636,7 +1636,7 @@
           <a:p>
             <a:fld id="{FA99FD5E-D554-4401-B340-088042D58529}" type="datetimeFigureOut">
               <a:rPr lang="zh-TW" altLang="en-US" smtClean="0"/>
-              <a:t>2022/9/24</a:t>
+              <a:t>2022/9/27</a:t>
             </a:fld>
             <a:endParaRPr lang="zh-TW" altLang="en-US"/>
           </a:p>
@@ -1754,7 +1754,7 @@
           <a:p>
             <a:fld id="{FA99FD5E-D554-4401-B340-088042D58529}" type="datetimeFigureOut">
               <a:rPr lang="zh-TW" altLang="en-US" smtClean="0"/>
-              <a:t>2022/9/24</a:t>
+              <a:t>2022/9/27</a:t>
             </a:fld>
             <a:endParaRPr lang="zh-TW" altLang="en-US"/>
           </a:p>
@@ -1849,7 +1849,7 @@
           <a:p>
             <a:fld id="{FA99FD5E-D554-4401-B340-088042D58529}" type="datetimeFigureOut">
               <a:rPr lang="zh-TW" altLang="en-US" smtClean="0"/>
-              <a:t>2022/9/24</a:t>
+              <a:t>2022/9/27</a:t>
             </a:fld>
             <a:endParaRPr lang="zh-TW" altLang="en-US"/>
           </a:p>
@@ -2126,7 +2126,7 @@
           <a:p>
             <a:fld id="{FA99FD5E-D554-4401-B340-088042D58529}" type="datetimeFigureOut">
               <a:rPr lang="zh-TW" altLang="en-US" smtClean="0"/>
-              <a:t>2022/9/24</a:t>
+              <a:t>2022/9/27</a:t>
             </a:fld>
             <a:endParaRPr lang="zh-TW" altLang="en-US"/>
           </a:p>
@@ -2379,7 +2379,7 @@
           <a:p>
             <a:fld id="{FA99FD5E-D554-4401-B340-088042D58529}" type="datetimeFigureOut">
               <a:rPr lang="zh-TW" altLang="en-US" smtClean="0"/>
-              <a:t>2022/9/24</a:t>
+              <a:t>2022/9/27</a:t>
             </a:fld>
             <a:endParaRPr lang="zh-TW" altLang="en-US"/>
           </a:p>
@@ -2592,7 +2592,7 @@
           <a:p>
             <a:fld id="{FA99FD5E-D554-4401-B340-088042D58529}" type="datetimeFigureOut">
               <a:rPr lang="zh-TW" altLang="en-US" smtClean="0"/>
-              <a:t>2022/9/24</a:t>
+              <a:t>2022/9/27</a:t>
             </a:fld>
             <a:endParaRPr lang="zh-TW" altLang="en-US"/>
           </a:p>
@@ -3444,18 +3444,7 @@
                 <a:ea typeface="標楷體" panose="03000509000000000000" pitchFamily="65" charset="-120"/>
                 <a:cs typeface="Times New Roman" panose="02020603050405020304" pitchFamily="18" charset="0"/>
               </a:rPr>
-              <a:t>Model </a:t>
-            </a:r>
-            <a:r>
-              <a:rPr lang="en-US" altLang="zh-TW" sz="3200" b="1" dirty="0">
-                <a:solidFill>
-                  <a:srgbClr val="FF0000"/>
-                </a:solidFill>
-                <a:latin typeface="Times New Roman" panose="02020603050405020304" pitchFamily="18" charset="0"/>
-                <a:ea typeface="標楷體" panose="03000509000000000000" pitchFamily="65" charset="-120"/>
-                <a:cs typeface="Times New Roman" panose="02020603050405020304" pitchFamily="18" charset="0"/>
-              </a:rPr>
-              <a:t>Architecture</a:t>
+              <a:t>Model Architecture</a:t>
             </a:r>
           </a:p>
           <a:p>
@@ -3475,10 +3464,6 @@
               </a:rPr>
               <a:t>Results</a:t>
             </a:r>
-            <a:endParaRPr lang="en-US" altLang="zh-TW" sz="3200" dirty="0" smtClean="0">
-              <a:latin typeface="Times New Roman" panose="02020603050405020304" pitchFamily="18" charset="0"/>
-              <a:cs typeface="Times New Roman" panose="02020603050405020304" pitchFamily="18" charset="0"/>
-            </a:endParaRPr>
           </a:p>
           <a:p>
             <a:r>
@@ -3809,13 +3794,6 @@
               </a:rPr>
               <a:t> Model Architecture</a:t>
             </a:r>
-            <a:r>
-              <a:rPr lang="en-US" altLang="zh-TW" sz="4900" dirty="0">
-                <a:latin typeface="Times New Roman" panose="02020603050405020304" pitchFamily="18" charset="0"/>
-                <a:cs typeface="Times New Roman" panose="02020603050405020304" pitchFamily="18" charset="0"/>
-              </a:rPr>
-              <a:t/>
-            </a:r>
             <a:br>
               <a:rPr lang="en-US" altLang="zh-TW" sz="4900" dirty="0">
                 <a:latin typeface="Times New Roman" panose="02020603050405020304" pitchFamily="18" charset="0"/>
@@ -4133,11 +4111,6 @@
               </a:rPr>
               <a:t> = 512</a:t>
             </a:r>
-            <a:endParaRPr lang="en-US" altLang="zh-TW" dirty="0">
-              <a:latin typeface="Times New Roman" panose="02020603050405020304" pitchFamily="18" charset="0"/>
-              <a:ea typeface="標楷體" panose="03000509000000000000" pitchFamily="65" charset="-120"/>
-              <a:cs typeface="Times New Roman" panose="02020603050405020304" pitchFamily="18" charset="0"/>
-            </a:endParaRPr>
           </a:p>
         </p:txBody>
       </p:sp>
@@ -4345,13 +4318,6 @@
               </a:rPr>
               <a:t> Model Architecture</a:t>
             </a:r>
-            <a:r>
-              <a:rPr lang="en-US" altLang="zh-TW" sz="4900" dirty="0">
-                <a:latin typeface="Times New Roman" panose="02020603050405020304" pitchFamily="18" charset="0"/>
-                <a:cs typeface="Times New Roman" panose="02020603050405020304" pitchFamily="18" charset="0"/>
-              </a:rPr>
-              <a:t/>
-            </a:r>
             <a:br>
               <a:rPr lang="en-US" altLang="zh-TW" sz="4900" dirty="0">
                 <a:latin typeface="Times New Roman" panose="02020603050405020304" pitchFamily="18" charset="0"/>
@@ -4710,13 +4676,6 @@
               </a:rPr>
               <a:t> Model Architecture</a:t>
             </a:r>
-            <a:r>
-              <a:rPr lang="en-US" altLang="zh-TW" sz="4900" dirty="0">
-                <a:latin typeface="Times New Roman" panose="02020603050405020304" pitchFamily="18" charset="0"/>
-                <a:cs typeface="Times New Roman" panose="02020603050405020304" pitchFamily="18" charset="0"/>
-              </a:rPr>
-              <a:t/>
-            </a:r>
             <a:br>
               <a:rPr lang="en-US" altLang="zh-TW" sz="4900" dirty="0">
                 <a:latin typeface="Times New Roman" panose="02020603050405020304" pitchFamily="18" charset="0"/>
@@ -4826,11 +4785,6 @@
               </a:rPr>
               <a:t>the values</a:t>
             </a:r>
-            <a:endParaRPr lang="en-US" altLang="zh-TW" dirty="0">
-              <a:latin typeface="Times New Roman" panose="02020603050405020304" pitchFamily="18" charset="0"/>
-              <a:ea typeface="標楷體" panose="03000509000000000000" pitchFamily="65" charset="-120"/>
-              <a:cs typeface="Times New Roman" panose="02020603050405020304" pitchFamily="18" charset="0"/>
-            </a:endParaRPr>
           </a:p>
         </p:txBody>
       </p:sp>
@@ -4972,13 +4926,6 @@
               </a:rPr>
               <a:t> Model Architecture</a:t>
             </a:r>
-            <a:r>
-              <a:rPr lang="en-US" altLang="zh-TW" sz="4900" dirty="0">
-                <a:latin typeface="Times New Roman" panose="02020603050405020304" pitchFamily="18" charset="0"/>
-                <a:cs typeface="Times New Roman" panose="02020603050405020304" pitchFamily="18" charset="0"/>
-              </a:rPr>
-              <a:t/>
-            </a:r>
             <a:br>
               <a:rPr lang="en-US" altLang="zh-TW" sz="4900" dirty="0">
                 <a:latin typeface="Times New Roman" panose="02020603050405020304" pitchFamily="18" charset="0"/>
@@ -5027,8 +4974,8 @@
           </a:p>
         </p:txBody>
       </p:sp>
-      <mc:AlternateContent xmlns:mc="http://schemas.openxmlformats.org/markup-compatibility/2006">
-        <mc:Choice xmlns:a14="http://schemas.microsoft.com/office/drawing/2010/main" Requires="a14">
+      <mc:AlternateContent xmlns:mc="http://schemas.openxmlformats.org/markup-compatibility/2006" xmlns:a14="http://schemas.microsoft.com/office/drawing/2010/main">
+        <mc:Choice Requires="a14">
           <p:sp>
             <p:nvSpPr>
               <p:cNvPr id="3" name="內容版面配置區 2"/>
@@ -5339,7 +5286,7 @@
             </p:txBody>
           </p:sp>
         </mc:Choice>
-        <mc:Fallback>
+        <mc:Fallback xmlns="">
           <p:sp>
             <p:nvSpPr>
               <p:cNvPr id="3" name="內容版面配置區 2"/>
@@ -5509,13 +5456,6 @@
               </a:rPr>
               <a:t> Model Architecture</a:t>
             </a:r>
-            <a:r>
-              <a:rPr lang="en-US" altLang="zh-TW" sz="4900" dirty="0">
-                <a:latin typeface="Times New Roman" panose="02020603050405020304" pitchFamily="18" charset="0"/>
-                <a:cs typeface="Times New Roman" panose="02020603050405020304" pitchFamily="18" charset="0"/>
-              </a:rPr>
-              <a:t/>
-            </a:r>
             <a:br>
               <a:rPr lang="en-US" altLang="zh-TW" sz="4900" dirty="0">
                 <a:latin typeface="Times New Roman" panose="02020603050405020304" pitchFamily="18" charset="0"/>
@@ -5815,11 +5755,6 @@
               </a:rPr>
               <a:t>8</a:t>
             </a:r>
-            <a:endParaRPr lang="en-US" altLang="zh-TW" dirty="0" smtClean="0">
-              <a:latin typeface="Times New Roman" panose="02020603050405020304" pitchFamily="18" charset="0"/>
-              <a:ea typeface="標楷體" panose="03000509000000000000" pitchFamily="65" charset="-120"/>
-              <a:cs typeface="Times New Roman" panose="02020603050405020304" pitchFamily="18" charset="0"/>
-            </a:endParaRPr>
           </a:p>
         </p:txBody>
       </p:sp>
@@ -6069,11 +6004,6 @@
               </a:rPr>
               <a:t>Due to the reduced dimension of each head, the total computational cost is similar to that of single-head attention with full dimensionality.</a:t>
             </a:r>
-            <a:endParaRPr lang="en-US" altLang="zh-TW" dirty="0" smtClean="0">
-              <a:latin typeface="Times New Roman" panose="02020603050405020304" pitchFamily="18" charset="0"/>
-              <a:ea typeface="標楷體" panose="03000509000000000000" pitchFamily="65" charset="-120"/>
-              <a:cs typeface="Times New Roman" panose="02020603050405020304" pitchFamily="18" charset="0"/>
-            </a:endParaRPr>
           </a:p>
         </p:txBody>
       </p:sp>
@@ -6167,13 +6097,6 @@
               </a:rPr>
               <a:t> Model Architecture</a:t>
             </a:r>
-            <a:r>
-              <a:rPr lang="en-US" altLang="zh-TW" sz="4900" dirty="0">
-                <a:latin typeface="Times New Roman" panose="02020603050405020304" pitchFamily="18" charset="0"/>
-                <a:cs typeface="Times New Roman" panose="02020603050405020304" pitchFamily="18" charset="0"/>
-              </a:rPr>
-              <a:t/>
-            </a:r>
             <a:br>
               <a:rPr lang="en-US" altLang="zh-TW" sz="4900" dirty="0">
                 <a:latin typeface="Times New Roman" panose="02020603050405020304" pitchFamily="18" charset="0"/>
@@ -6333,11 +6256,6 @@
               </a:rPr>
               <a:t>This allows every position in the decoder to attend over all positions in the input sequence</a:t>
             </a:r>
-            <a:endParaRPr lang="en-US" altLang="zh-TW" dirty="0">
-              <a:latin typeface="Times New Roman" panose="02020603050405020304" pitchFamily="18" charset="0"/>
-              <a:ea typeface="標楷體" panose="03000509000000000000" pitchFamily="65" charset="-120"/>
-              <a:cs typeface="Times New Roman" panose="02020603050405020304" pitchFamily="18" charset="0"/>
-            </a:endParaRPr>
           </a:p>
         </p:txBody>
       </p:sp>
@@ -6502,13 +6420,6 @@
               </a:rPr>
               <a:t> Model Architecture</a:t>
             </a:r>
-            <a:r>
-              <a:rPr lang="en-US" altLang="zh-TW" sz="4900" dirty="0">
-                <a:latin typeface="Times New Roman" panose="02020603050405020304" pitchFamily="18" charset="0"/>
-                <a:cs typeface="Times New Roman" panose="02020603050405020304" pitchFamily="18" charset="0"/>
-              </a:rPr>
-              <a:t/>
-            </a:r>
             <a:br>
               <a:rPr lang="en-US" altLang="zh-TW" sz="4900" dirty="0">
                 <a:latin typeface="Times New Roman" panose="02020603050405020304" pitchFamily="18" charset="0"/>
@@ -6979,13 +6890,6 @@
                 <a:cs typeface="Times New Roman" panose="02020603050405020304" pitchFamily="18" charset="0"/>
               </a:rPr>
               <a:t> Model Architecture</a:t>
-            </a:r>
-            <a:r>
-              <a:rPr lang="en-US" altLang="zh-TW" sz="4900" dirty="0">
-                <a:latin typeface="Times New Roman" panose="02020603050405020304" pitchFamily="18" charset="0"/>
-                <a:cs typeface="Times New Roman" panose="02020603050405020304" pitchFamily="18" charset="0"/>
-              </a:rPr>
-              <a:t/>
             </a:r>
             <a:br>
               <a:rPr lang="en-US" altLang="zh-TW" sz="4900" dirty="0">
@@ -7457,10 +7361,6 @@
               </a:rPr>
               <a:t>Results</a:t>
             </a:r>
-            <a:endParaRPr lang="en-US" altLang="zh-TW" sz="3200" dirty="0" smtClean="0">
-              <a:latin typeface="Times New Roman" panose="02020603050405020304" pitchFamily="18" charset="0"/>
-              <a:cs typeface="Times New Roman" panose="02020603050405020304" pitchFamily="18" charset="0"/>
-            </a:endParaRPr>
           </a:p>
           <a:p>
             <a:r>
@@ -7560,13 +7460,6 @@
                 <a:cs typeface="Times New Roman" panose="02020603050405020304" pitchFamily="18" charset="0"/>
               </a:rPr>
               <a:t> Model Architecture</a:t>
-            </a:r>
-            <a:r>
-              <a:rPr lang="en-US" altLang="zh-TW" sz="4900" dirty="0">
-                <a:latin typeface="Times New Roman" panose="02020603050405020304" pitchFamily="18" charset="0"/>
-                <a:cs typeface="Times New Roman" panose="02020603050405020304" pitchFamily="18" charset="0"/>
-              </a:rPr>
-              <a:t/>
             </a:r>
             <a:br>
               <a:rPr lang="en-US" altLang="zh-TW" sz="4900" dirty="0">
@@ -7819,13 +7712,6 @@
               </a:rPr>
               <a:t> Model Architecture</a:t>
             </a:r>
-            <a:r>
-              <a:rPr lang="en-US" altLang="zh-TW" sz="4900" dirty="0">
-                <a:latin typeface="Times New Roman" panose="02020603050405020304" pitchFamily="18" charset="0"/>
-                <a:cs typeface="Times New Roman" panose="02020603050405020304" pitchFamily="18" charset="0"/>
-              </a:rPr>
-              <a:t/>
-            </a:r>
             <a:br>
               <a:rPr lang="en-US" altLang="zh-TW" sz="4900" dirty="0">
                 <a:latin typeface="Times New Roman" panose="02020603050405020304" pitchFamily="18" charset="0"/>
@@ -8427,13 +8313,6 @@
               </a:rPr>
               <a:t> Model Architecture</a:t>
             </a:r>
-            <a:r>
-              <a:rPr lang="en-US" altLang="zh-TW" sz="4900" dirty="0">
-                <a:latin typeface="Times New Roman" panose="02020603050405020304" pitchFamily="18" charset="0"/>
-                <a:cs typeface="Times New Roman" panose="02020603050405020304" pitchFamily="18" charset="0"/>
-              </a:rPr>
-              <a:t/>
-            </a:r>
             <a:br>
               <a:rPr lang="en-US" altLang="zh-TW" sz="4900" dirty="0">
                 <a:latin typeface="Times New Roman" panose="02020603050405020304" pitchFamily="18" charset="0"/>
@@ -8824,10 +8703,6 @@
               </a:rPr>
               <a:t>Results</a:t>
             </a:r>
-            <a:endParaRPr lang="en-US" altLang="zh-TW" sz="3200" dirty="0" smtClean="0">
-              <a:latin typeface="Times New Roman" panose="02020603050405020304" pitchFamily="18" charset="0"/>
-              <a:cs typeface="Times New Roman" panose="02020603050405020304" pitchFamily="18" charset="0"/>
-            </a:endParaRPr>
           </a:p>
           <a:p>
             <a:r>
@@ -10600,23 +10475,7 @@
                 <a:ea typeface="標楷體" panose="03000509000000000000" pitchFamily="65" charset="-120"/>
                 <a:cs typeface="Times New Roman" panose="02020603050405020304" pitchFamily="18" charset="0"/>
               </a:rPr>
-              <a:t> </a:t>
-            </a:r>
-            <a:r>
-              <a:rPr lang="en-US" altLang="zh-TW" sz="5400" dirty="0" smtClean="0">
-                <a:latin typeface="Times New Roman" panose="02020603050405020304" pitchFamily="18" charset="0"/>
-                <a:ea typeface="標楷體" panose="03000509000000000000" pitchFamily="65" charset="-120"/>
-                <a:cs typeface="Times New Roman" panose="02020603050405020304" pitchFamily="18" charset="0"/>
-              </a:rPr>
-              <a:t>(1 </a:t>
-            </a:r>
-            <a:r>
-              <a:rPr lang="en-US" altLang="zh-TW" sz="5400" dirty="0" smtClean="0">
-                <a:latin typeface="Times New Roman" panose="02020603050405020304" pitchFamily="18" charset="0"/>
-                <a:ea typeface="標楷體" panose="03000509000000000000" pitchFamily="65" charset="-120"/>
-                <a:cs typeface="Times New Roman" panose="02020603050405020304" pitchFamily="18" charset="0"/>
-              </a:rPr>
-              <a:t>/</a:t>
+              <a:t> (1 /</a:t>
             </a:r>
             <a:r>
               <a:rPr lang="en-US" altLang="zh-TW" sz="5400" dirty="0">
@@ -10624,15 +10483,7 @@
                 <a:ea typeface="標楷體" panose="03000509000000000000" pitchFamily="65" charset="-120"/>
                 <a:cs typeface="Times New Roman" panose="02020603050405020304" pitchFamily="18" charset="0"/>
               </a:rPr>
-              <a:t> </a:t>
-            </a:r>
-            <a:r>
-              <a:rPr lang="en-US" altLang="zh-TW" sz="5400" dirty="0">
-                <a:latin typeface="Times New Roman" panose="02020603050405020304" pitchFamily="18" charset="0"/>
-                <a:ea typeface="標楷體" panose="03000509000000000000" pitchFamily="65" charset="-120"/>
-                <a:cs typeface="Times New Roman" panose="02020603050405020304" pitchFamily="18" charset="0"/>
-              </a:rPr>
-              <a:t>2</a:t>
+              <a:t> 2</a:t>
             </a:r>
             <a:r>
               <a:rPr lang="en-US" altLang="zh-TW" sz="5400" dirty="0" smtClean="0">
@@ -10824,7 +10675,7 @@
       </p:pic>
       <p:pic>
         <p:nvPicPr>
-          <p:cNvPr id="10" name="圖片 9"/>
+          <p:cNvPr id="11" name="圖片 10"/>
           <p:cNvPicPr>
             <a:picLocks noChangeAspect="1"/>
           </p:cNvPicPr>
@@ -10832,36 +10683,6 @@
         </p:nvPicPr>
         <p:blipFill>
           <a:blip r:embed="rId3">
-            <a:extLst>
-              <a:ext uri="{28A0092B-C50C-407E-A947-70E740481C1C}">
-                <a14:useLocalDpi xmlns:a14="http://schemas.microsoft.com/office/drawing/2010/main" val="0"/>
-              </a:ext>
-            </a:extLst>
-          </a:blip>
-          <a:stretch>
-            <a:fillRect/>
-          </a:stretch>
-        </p:blipFill>
-        <p:spPr>
-          <a:xfrm>
-            <a:off x="453649" y="2835398"/>
-            <a:ext cx="4899757" cy="1620000"/>
-          </a:xfrm>
-          <a:prstGeom prst="rect">
-            <a:avLst/>
-          </a:prstGeom>
-        </p:spPr>
-      </p:pic>
-      <p:pic>
-        <p:nvPicPr>
-          <p:cNvPr id="11" name="圖片 10"/>
-          <p:cNvPicPr>
-            <a:picLocks noChangeAspect="1"/>
-          </p:cNvPicPr>
-          <p:nvPr/>
-        </p:nvPicPr>
-        <p:blipFill>
-          <a:blip r:embed="rId4">
             <a:extLst>
               <a:ext uri="{28A0092B-C50C-407E-A947-70E740481C1C}">
                 <a14:useLocalDpi xmlns:a14="http://schemas.microsoft.com/office/drawing/2010/main" val="0"/>
@@ -10891,7 +10712,7 @@
           <p:nvPr/>
         </p:nvPicPr>
         <p:blipFill>
-          <a:blip r:embed="rId5">
+          <a:blip r:embed="rId4">
             <a:extLst>
               <a:ext uri="{28A0092B-C50C-407E-A947-70E740481C1C}">
                 <a14:useLocalDpi xmlns:a14="http://schemas.microsoft.com/office/drawing/2010/main" val="0"/>
@@ -10921,7 +10742,7 @@
           <p:nvPr/>
         </p:nvPicPr>
         <p:blipFill>
-          <a:blip r:embed="rId6">
+          <a:blip r:embed="rId5">
             <a:extLst>
               <a:ext uri="{28A0092B-C50C-407E-A947-70E740481C1C}">
                 <a14:useLocalDpi xmlns:a14="http://schemas.microsoft.com/office/drawing/2010/main" val="0"/>
@@ -10951,6 +10772,36 @@
           <p:nvPr/>
         </p:nvPicPr>
         <p:blipFill>
+          <a:blip r:embed="rId6">
+            <a:extLst>
+              <a:ext uri="{28A0092B-C50C-407E-A947-70E740481C1C}">
+                <a14:useLocalDpi xmlns:a14="http://schemas.microsoft.com/office/drawing/2010/main" val="0"/>
+              </a:ext>
+            </a:extLst>
+          </a:blip>
+          <a:stretch>
+            <a:fillRect/>
+          </a:stretch>
+        </p:blipFill>
+        <p:spPr>
+          <a:xfrm>
+            <a:off x="5997297" y="4996311"/>
+            <a:ext cx="4899755" cy="1620000"/>
+          </a:xfrm>
+          <a:prstGeom prst="rect">
+            <a:avLst/>
+          </a:prstGeom>
+        </p:spPr>
+      </p:pic>
+      <p:pic>
+        <p:nvPicPr>
+          <p:cNvPr id="5" name="圖片 4"/>
+          <p:cNvPicPr>
+            <a:picLocks noChangeAspect="1"/>
+          </p:cNvPicPr>
+          <p:nvPr/>
+        </p:nvPicPr>
+        <p:blipFill>
           <a:blip r:embed="rId7">
             <a:extLst>
               <a:ext uri="{28A0092B-C50C-407E-A947-70E740481C1C}">
@@ -10964,7 +10815,7 @@
         </p:blipFill>
         <p:spPr>
           <a:xfrm>
-            <a:off x="5997297" y="4996311"/>
+            <a:off x="453648" y="2870140"/>
             <a:ext cx="4899755" cy="1620000"/>
           </a:xfrm>
           <a:prstGeom prst="rect">
@@ -11048,15 +10899,7 @@
                 <a:ea typeface="標楷體" panose="03000509000000000000" pitchFamily="65" charset="-120"/>
                 <a:cs typeface="Times New Roman" panose="02020603050405020304" pitchFamily="18" charset="0"/>
               </a:rPr>
-              <a:t> (2 </a:t>
-            </a:r>
-            <a:r>
-              <a:rPr lang="en-US" altLang="zh-TW" sz="5400" dirty="0" smtClean="0">
-                <a:latin typeface="Times New Roman" panose="02020603050405020304" pitchFamily="18" charset="0"/>
-                <a:ea typeface="標楷體" panose="03000509000000000000" pitchFamily="65" charset="-120"/>
-                <a:cs typeface="Times New Roman" panose="02020603050405020304" pitchFamily="18" charset="0"/>
-              </a:rPr>
-              <a:t>/</a:t>
+              <a:t> (2 /</a:t>
             </a:r>
             <a:r>
               <a:rPr lang="en-US" altLang="zh-TW" sz="5400" dirty="0">
@@ -11064,15 +10907,7 @@
                 <a:ea typeface="標楷體" panose="03000509000000000000" pitchFamily="65" charset="-120"/>
                 <a:cs typeface="Times New Roman" panose="02020603050405020304" pitchFamily="18" charset="0"/>
               </a:rPr>
-              <a:t> </a:t>
-            </a:r>
-            <a:r>
-              <a:rPr lang="en-US" altLang="zh-TW" sz="5400" dirty="0">
-                <a:latin typeface="Times New Roman" panose="02020603050405020304" pitchFamily="18" charset="0"/>
-                <a:ea typeface="標楷體" panose="03000509000000000000" pitchFamily="65" charset="-120"/>
-                <a:cs typeface="Times New Roman" panose="02020603050405020304" pitchFamily="18" charset="0"/>
-              </a:rPr>
-              <a:t>2</a:t>
+              <a:t> 2</a:t>
             </a:r>
             <a:r>
               <a:rPr lang="en-US" altLang="zh-TW" sz="5400" dirty="0" smtClean="0">
@@ -11305,15 +11140,7 @@
                 <a:ea typeface="標楷體" panose="03000509000000000000" pitchFamily="65" charset="-120"/>
                 <a:cs typeface="Times New Roman" panose="02020603050405020304" pitchFamily="18" charset="0"/>
               </a:rPr>
-              <a:t>，</a:t>
-            </a:r>
-            <a:r>
-              <a:rPr lang="zh-TW" altLang="en-US" dirty="0" smtClean="0">
-                <a:latin typeface="Times New Roman" panose="02020603050405020304" pitchFamily="18" charset="0"/>
-                <a:ea typeface="標楷體" panose="03000509000000000000" pitchFamily="65" charset="-120"/>
-                <a:cs typeface="Times New Roman" panose="02020603050405020304" pitchFamily="18" charset="0"/>
-              </a:rPr>
-              <a:t>即可迴避前述兩者的問題</a:t>
+              <a:t>，即可迴避前述兩者的問題</a:t>
             </a:r>
             <a:endParaRPr lang="en-US" altLang="zh-TW" dirty="0" smtClean="0">
               <a:latin typeface="Times New Roman" panose="02020603050405020304" pitchFamily="18" charset="0"/>
@@ -11475,14 +11302,6 @@
               </a:rPr>
               <a:t>Introduction</a:t>
             </a:r>
-            <a:endParaRPr lang="en-US" altLang="zh-TW" sz="3200" b="1" dirty="0">
-              <a:solidFill>
-                <a:srgbClr val="FF0000"/>
-              </a:solidFill>
-              <a:latin typeface="Times New Roman" panose="02020603050405020304" pitchFamily="18" charset="0"/>
-              <a:ea typeface="標楷體" panose="03000509000000000000" pitchFamily="65" charset="-120"/>
-              <a:cs typeface="Times New Roman" panose="02020603050405020304" pitchFamily="18" charset="0"/>
-            </a:endParaRPr>
           </a:p>
           <a:p>
             <a:r>
@@ -11526,10 +11345,6 @@
               </a:rPr>
               <a:t>Results</a:t>
             </a:r>
-            <a:endParaRPr lang="en-US" altLang="zh-TW" sz="3200" dirty="0" smtClean="0">
-              <a:latin typeface="Times New Roman" panose="02020603050405020304" pitchFamily="18" charset="0"/>
-              <a:cs typeface="Times New Roman" panose="02020603050405020304" pitchFamily="18" charset="0"/>
-            </a:endParaRPr>
           </a:p>
           <a:p>
             <a:r>
@@ -11887,23 +11702,7 @@
                 <a:ea typeface="標楷體" panose="03000509000000000000" pitchFamily="65" charset="-120"/>
                 <a:cs typeface="Times New Roman" panose="02020603050405020304" pitchFamily="18" charset="0"/>
               </a:rPr>
-              <a:t>Introduction </a:t>
-            </a:r>
-            <a:r>
-              <a:rPr lang="en-US" altLang="zh-TW" sz="5400" dirty="0" smtClean="0">
-                <a:latin typeface="Times New Roman" panose="02020603050405020304" pitchFamily="18" charset="0"/>
-                <a:ea typeface="標楷體" panose="03000509000000000000" pitchFamily="65" charset="-120"/>
-                <a:cs typeface="Times New Roman" panose="02020603050405020304" pitchFamily="18" charset="0"/>
-              </a:rPr>
-              <a:t>(2 </a:t>
-            </a:r>
-            <a:r>
-              <a:rPr lang="en-US" altLang="zh-TW" sz="5400" dirty="0" smtClean="0">
-                <a:latin typeface="Times New Roman" panose="02020603050405020304" pitchFamily="18" charset="0"/>
-                <a:ea typeface="標楷體" panose="03000509000000000000" pitchFamily="65" charset="-120"/>
-                <a:cs typeface="Times New Roman" panose="02020603050405020304" pitchFamily="18" charset="0"/>
-              </a:rPr>
-              <a:t>/</a:t>
+              <a:t>Introduction (2 /</a:t>
             </a:r>
             <a:r>
               <a:rPr lang="en-US" altLang="zh-TW" sz="5400" dirty="0">
@@ -11911,15 +11710,7 @@
                 <a:ea typeface="標楷體" panose="03000509000000000000" pitchFamily="65" charset="-120"/>
                 <a:cs typeface="Times New Roman" panose="02020603050405020304" pitchFamily="18" charset="0"/>
               </a:rPr>
-              <a:t> </a:t>
-            </a:r>
-            <a:r>
-              <a:rPr lang="en-US" altLang="zh-TW" sz="5400" dirty="0">
-                <a:latin typeface="Times New Roman" panose="02020603050405020304" pitchFamily="18" charset="0"/>
-                <a:ea typeface="標楷體" panose="03000509000000000000" pitchFamily="65" charset="-120"/>
-                <a:cs typeface="Times New Roman" panose="02020603050405020304" pitchFamily="18" charset="0"/>
-              </a:rPr>
-              <a:t>2</a:t>
+              <a:t> 2</a:t>
             </a:r>
             <a:r>
               <a:rPr lang="en-US" altLang="zh-TW" sz="5400" dirty="0" smtClean="0">
@@ -12260,10 +12051,6 @@
               </a:rPr>
               <a:t>Results</a:t>
             </a:r>
-            <a:endParaRPr lang="en-US" altLang="zh-TW" sz="3200" dirty="0" smtClean="0">
-              <a:latin typeface="Times New Roman" panose="02020603050405020304" pitchFamily="18" charset="0"/>
-              <a:cs typeface="Times New Roman" panose="02020603050405020304" pitchFamily="18" charset="0"/>
-            </a:endParaRPr>
           </a:p>
           <a:p>
             <a:r>

--- a/論文導讀/2_Transformer/Attention is all you need.pptx
+++ b/論文導讀/2_Transformer/Attention is all you need.pptx
@@ -271,7 +271,7 @@
           <a:p>
             <a:fld id="{FA99FD5E-D554-4401-B340-088042D58529}" type="datetimeFigureOut">
               <a:rPr lang="zh-TW" altLang="en-US" smtClean="0"/>
-              <a:t>2022/9/27</a:t>
+              <a:t>2022/10/12</a:t>
             </a:fld>
             <a:endParaRPr lang="zh-TW" altLang="en-US"/>
           </a:p>
@@ -441,7 +441,7 @@
           <a:p>
             <a:fld id="{FA99FD5E-D554-4401-B340-088042D58529}" type="datetimeFigureOut">
               <a:rPr lang="zh-TW" altLang="en-US" smtClean="0"/>
-              <a:t>2022/9/27</a:t>
+              <a:t>2022/10/12</a:t>
             </a:fld>
             <a:endParaRPr lang="zh-TW" altLang="en-US"/>
           </a:p>
@@ -621,7 +621,7 @@
           <a:p>
             <a:fld id="{FA99FD5E-D554-4401-B340-088042D58529}" type="datetimeFigureOut">
               <a:rPr lang="zh-TW" altLang="en-US" smtClean="0"/>
-              <a:t>2022/9/27</a:t>
+              <a:t>2022/10/12</a:t>
             </a:fld>
             <a:endParaRPr lang="zh-TW" altLang="en-US"/>
           </a:p>
@@ -791,7 +791,7 @@
           <a:p>
             <a:fld id="{FA99FD5E-D554-4401-B340-088042D58529}" type="datetimeFigureOut">
               <a:rPr lang="zh-TW" altLang="en-US" smtClean="0"/>
-              <a:t>2022/9/27</a:t>
+              <a:t>2022/10/12</a:t>
             </a:fld>
             <a:endParaRPr lang="zh-TW" altLang="en-US"/>
           </a:p>
@@ -1037,7 +1037,7 @@
           <a:p>
             <a:fld id="{FA99FD5E-D554-4401-B340-088042D58529}" type="datetimeFigureOut">
               <a:rPr lang="zh-TW" altLang="en-US" smtClean="0"/>
-              <a:t>2022/9/27</a:t>
+              <a:t>2022/10/12</a:t>
             </a:fld>
             <a:endParaRPr lang="zh-TW" altLang="en-US"/>
           </a:p>
@@ -1269,7 +1269,7 @@
           <a:p>
             <a:fld id="{FA99FD5E-D554-4401-B340-088042D58529}" type="datetimeFigureOut">
               <a:rPr lang="zh-TW" altLang="en-US" smtClean="0"/>
-              <a:t>2022/9/27</a:t>
+              <a:t>2022/10/12</a:t>
             </a:fld>
             <a:endParaRPr lang="zh-TW" altLang="en-US"/>
           </a:p>
@@ -1636,7 +1636,7 @@
           <a:p>
             <a:fld id="{FA99FD5E-D554-4401-B340-088042D58529}" type="datetimeFigureOut">
               <a:rPr lang="zh-TW" altLang="en-US" smtClean="0"/>
-              <a:t>2022/9/27</a:t>
+              <a:t>2022/10/12</a:t>
             </a:fld>
             <a:endParaRPr lang="zh-TW" altLang="en-US"/>
           </a:p>
@@ -1754,7 +1754,7 @@
           <a:p>
             <a:fld id="{FA99FD5E-D554-4401-B340-088042D58529}" type="datetimeFigureOut">
               <a:rPr lang="zh-TW" altLang="en-US" smtClean="0"/>
-              <a:t>2022/9/27</a:t>
+              <a:t>2022/10/12</a:t>
             </a:fld>
             <a:endParaRPr lang="zh-TW" altLang="en-US"/>
           </a:p>
@@ -1849,7 +1849,7 @@
           <a:p>
             <a:fld id="{FA99FD5E-D554-4401-B340-088042D58529}" type="datetimeFigureOut">
               <a:rPr lang="zh-TW" altLang="en-US" smtClean="0"/>
-              <a:t>2022/9/27</a:t>
+              <a:t>2022/10/12</a:t>
             </a:fld>
             <a:endParaRPr lang="zh-TW" altLang="en-US"/>
           </a:p>
@@ -2126,7 +2126,7 @@
           <a:p>
             <a:fld id="{FA99FD5E-D554-4401-B340-088042D58529}" type="datetimeFigureOut">
               <a:rPr lang="zh-TW" altLang="en-US" smtClean="0"/>
-              <a:t>2022/9/27</a:t>
+              <a:t>2022/10/12</a:t>
             </a:fld>
             <a:endParaRPr lang="zh-TW" altLang="en-US"/>
           </a:p>
@@ -2379,7 +2379,7 @@
           <a:p>
             <a:fld id="{FA99FD5E-D554-4401-B340-088042D58529}" type="datetimeFigureOut">
               <a:rPr lang="zh-TW" altLang="en-US" smtClean="0"/>
-              <a:t>2022/9/27</a:t>
+              <a:t>2022/10/12</a:t>
             </a:fld>
             <a:endParaRPr lang="zh-TW" altLang="en-US"/>
           </a:p>
@@ -2592,7 +2592,7 @@
           <a:p>
             <a:fld id="{FA99FD5E-D554-4401-B340-088042D58529}" type="datetimeFigureOut">
               <a:rPr lang="zh-TW" altLang="en-US" smtClean="0"/>
-              <a:t>2022/9/27</a:t>
+              <a:t>2022/10/12</a:t>
             </a:fld>
             <a:endParaRPr lang="zh-TW" altLang="en-US"/>
           </a:p>
